--- a/COMP110/07/2020-21-COMP110-07-lecture-materials.pptx
+++ b/COMP110/07/2020-21-COMP110-07-lecture-materials.pptx
@@ -125,6 +125,11 @@
       </a:defRPr>
     </a:lvl9pPr>
   </p:defaultTextStyle>
+  <p:extLst>
+    <p:ext uri="{EFAFB233-063F-42B5-8137-9DF3F51BA10A}">
+      <p15:sldGuideLst xmlns:p15="http://schemas.microsoft.com/office/powerpoint/2012/main"/>
+    </p:ext>
+  </p:extLst>
 </p:presentation>
 </file>
 
@@ -6042,7 +6047,7 @@
           <a:p>
             <a:fld id="{BFA85711-3F0C-454E-95D6-54A3E1480EFF}" type="datetimeFigureOut">
               <a:rPr lang="en-GB" smtClean="0"/>
-              <a:t>01/11/2020</a:t>
+              <a:t>02/11/2021</a:t>
             </a:fld>
             <a:endParaRPr lang="en-GB"/>
           </a:p>
@@ -6304,7 +6309,7 @@
           <a:p>
             <a:fld id="{BFA85711-3F0C-454E-95D6-54A3E1480EFF}" type="datetimeFigureOut">
               <a:rPr lang="en-GB" smtClean="0"/>
-              <a:t>01/11/2020</a:t>
+              <a:t>02/11/2021</a:t>
             </a:fld>
             <a:endParaRPr lang="en-GB"/>
           </a:p>
@@ -6539,7 +6544,7 @@
           <a:p>
             <a:fld id="{BFA85711-3F0C-454E-95D6-54A3E1480EFF}" type="datetimeFigureOut">
               <a:rPr lang="en-GB" smtClean="0"/>
-              <a:t>01/11/2020</a:t>
+              <a:t>02/11/2021</a:t>
             </a:fld>
             <a:endParaRPr lang="en-GB"/>
           </a:p>
@@ -6779,7 +6784,7 @@
           <a:p>
             <a:fld id="{BFA85711-3F0C-454E-95D6-54A3E1480EFF}" type="datetimeFigureOut">
               <a:rPr lang="en-GB" smtClean="0"/>
-              <a:t>01/11/2020</a:t>
+              <a:t>02/11/2021</a:t>
             </a:fld>
             <a:endParaRPr lang="en-GB"/>
           </a:p>
@@ -7086,7 +7091,7 @@
           <a:p>
             <a:fld id="{BFA85711-3F0C-454E-95D6-54A3E1480EFF}" type="datetimeFigureOut">
               <a:rPr lang="en-GB" smtClean="0"/>
-              <a:t>01/11/2020</a:t>
+              <a:t>02/11/2021</a:t>
             </a:fld>
             <a:endParaRPr lang="en-GB"/>
           </a:p>
@@ -7388,7 +7393,7 @@
           <a:p>
             <a:fld id="{BFA85711-3F0C-454E-95D6-54A3E1480EFF}" type="datetimeFigureOut">
               <a:rPr lang="en-GB" smtClean="0"/>
-              <a:t>01/11/2020</a:t>
+              <a:t>02/11/2021</a:t>
             </a:fld>
             <a:endParaRPr lang="en-GB"/>
           </a:p>
@@ -7810,7 +7815,7 @@
           <a:p>
             <a:fld id="{BFA85711-3F0C-454E-95D6-54A3E1480EFF}" type="datetimeFigureOut">
               <a:rPr lang="en-GB" smtClean="0"/>
-              <a:t>01/11/2020</a:t>
+              <a:t>02/11/2021</a:t>
             </a:fld>
             <a:endParaRPr lang="en-GB"/>
           </a:p>
@@ -7972,7 +7977,7 @@
           <a:p>
             <a:fld id="{BFA85711-3F0C-454E-95D6-54A3E1480EFF}" type="datetimeFigureOut">
               <a:rPr lang="en-GB" smtClean="0"/>
-              <a:t>01/11/2020</a:t>
+              <a:t>02/11/2021</a:t>
             </a:fld>
             <a:endParaRPr lang="en-GB"/>
           </a:p>
@@ -8067,7 +8072,7 @@
           <a:p>
             <a:fld id="{BFA85711-3F0C-454E-95D6-54A3E1480EFF}" type="datetimeFigureOut">
               <a:rPr lang="en-GB" smtClean="0"/>
-              <a:t>01/11/2020</a:t>
+              <a:t>02/11/2021</a:t>
             </a:fld>
             <a:endParaRPr lang="en-GB"/>
           </a:p>
@@ -8445,7 +8450,7 @@
           <a:p>
             <a:fld id="{BFA85711-3F0C-454E-95D6-54A3E1480EFF}" type="datetimeFigureOut">
               <a:rPr lang="en-GB" smtClean="0"/>
-              <a:t>01/11/2020</a:t>
+              <a:t>02/11/2021</a:t>
             </a:fld>
             <a:endParaRPr lang="en-GB"/>
           </a:p>
@@ -8734,7 +8739,7 @@
           <a:p>
             <a:fld id="{BFA85711-3F0C-454E-95D6-54A3E1480EFF}" type="datetimeFigureOut">
               <a:rPr lang="en-GB" smtClean="0"/>
-              <a:t>01/11/2020</a:t>
+              <a:t>02/11/2021</a:t>
             </a:fld>
             <a:endParaRPr lang="en-GB"/>
           </a:p>
@@ -8945,7 +8950,7 @@
           <a:p>
             <a:fld id="{BFA85711-3F0C-454E-95D6-54A3E1480EFF}" type="datetimeFigureOut">
               <a:rPr lang="en-GB" smtClean="0"/>
-              <a:t>01/11/2020</a:t>
+              <a:t>02/11/2021</a:t>
             </a:fld>
             <a:endParaRPr lang="en-GB"/>
           </a:p>
@@ -15844,7 +15849,7 @@
           <a:p>
             <a:r>
               <a:rPr lang="en-GB" sz="2400" dirty="0"/>
-              <a:t>Volatile storage (SSD, HDD etc) generally uses other data formats</a:t>
+              <a:t>Non-volatile storage (SSD, HDD etc) generally uses other data formats</a:t>
             </a:r>
           </a:p>
           <a:p>
